--- a/trunk/Course/720 Artificial Intelligence II/12.pptx
+++ b/trunk/Course/720 Artificial Intelligence II/12.pptx
@@ -5,7 +5,7 @@
     <p:sldMasterId id="2147483660" r:id="rId1"/>
   </p:sldMasterIdLst>
   <p:notesMasterIdLst>
-    <p:notesMasterId r:id="rId21"/>
+    <p:notesMasterId r:id="rId22"/>
   </p:notesMasterIdLst>
   <p:sldIdLst>
     <p:sldId id="256" r:id="rId2"/>
@@ -26,7 +26,8 @@
     <p:sldId id="272" r:id="rId17"/>
     <p:sldId id="273" r:id="rId18"/>
     <p:sldId id="271" r:id="rId19"/>
-    <p:sldId id="274" r:id="rId20"/>
+    <p:sldId id="276" r:id="rId20"/>
+    <p:sldId id="274" r:id="rId21"/>
   </p:sldIdLst>
   <p:sldSz cx="9144000" cy="6858000" type="screen4x3"/>
   <p:notesSz cx="6858000" cy="9144000"/>
@@ -6335,6 +6336,13 @@
   <p:clrMapOvr>
     <a:masterClrMapping/>
   </p:clrMapOvr>
+  <p:timing>
+    <p:tnLst>
+      <p:par>
+        <p:cTn xmlns:p14="http://schemas.microsoft.com/office/powerpoint/2010/main" id="1" dur="indefinite" restart="never" nodeType="tmRoot"/>
+      </p:par>
+    </p:tnLst>
+  </p:timing>
 </p:sld>
 </file>
 
@@ -6367,161 +6375,223 @@
         </p:nvSpPr>
         <p:spPr/>
         <p:txBody>
-          <a:bodyPr>
-            <a:normAutofit fontScale="90000"/>
-          </a:bodyPr>
+          <a:bodyPr/>
           <a:lstStyle/>
           <a:p>
             <a:r>
               <a:rPr lang="en-US" dirty="0" smtClean="0"/>
-              <a:t>Summary of </a:t>
-            </a:r>
-            <a:r>
-              <a:rPr lang="en-US" sz="4800" dirty="0" smtClean="0"/>
-              <a:t>PROT</a:t>
-            </a:r>
-            <a:r>
-              <a:rPr lang="fr-FR" sz="4800" dirty="0" smtClean="0"/>
-              <a:t>ÉGÉ </a:t>
-            </a:r>
-            <a:r>
-              <a:rPr lang="fr-FR" sz="4800" dirty="0" err="1" smtClean="0"/>
-              <a:t>approach</a:t>
+              <a:t>Custom Adjustment of Form</a:t>
             </a:r>
             <a:endParaRPr lang="en-US" dirty="0"/>
           </a:p>
         </p:txBody>
       </p:sp>
-      <p:sp>
-        <p:nvSpPr>
-          <p:cNvPr id="3" name="Content Placeholder 2"/>
-          <p:cNvSpPr>
-            <a:spLocks noGrp="1"/>
-          </p:cNvSpPr>
+      <p:pic>
+        <p:nvPicPr>
+          <p:cNvPr id="5" name="Picture 4" descr="Screen shot 2011-04-05 at 11.25.00 PM.png"/>
+          <p:cNvPicPr>
+            <a:picLocks noChangeAspect="1"/>
+          </p:cNvPicPr>
+          <p:nvPr/>
+        </p:nvPicPr>
+        <p:blipFill>
+          <a:blip r:embed="rId2">
+            <a:extLst>
+              <a:ext uri="{28A0092B-C50C-407E-A947-70E740481C1C}">
+                <a14:useLocalDpi xmlns:a14="http://schemas.microsoft.com/office/drawing/2010/main" val="0"/>
+              </a:ext>
+            </a:extLst>
+          </a:blip>
+          <a:stretch>
+            <a:fillRect/>
+          </a:stretch>
+        </p:blipFill>
+        <p:spPr>
+          <a:xfrm>
+            <a:off x="2427111" y="1634797"/>
+            <a:ext cx="6716889" cy="3481529"/>
+          </a:xfrm>
+          <a:prstGeom prst="rect">
+            <a:avLst/>
+          </a:prstGeom>
+        </p:spPr>
+      </p:pic>
+      <p:pic>
+        <p:nvPicPr>
+          <p:cNvPr id="4" name="Content Placeholder 3" descr="Screen shot 2011-04-05 at 11.24.11 PM.png"/>
+          <p:cNvPicPr>
+            <a:picLocks noGrp="1" noChangeAspect="1"/>
+          </p:cNvPicPr>
           <p:nvPr>
             <p:ph idx="1"/>
           </p:nvPr>
-        </p:nvSpPr>
-        <p:spPr/>
-        <p:txBody>
-          <a:bodyPr>
-            <a:normAutofit lnSpcReduction="10000"/>
-          </a:bodyPr>
-          <a:lstStyle/>
-          <a:p>
-            <a:r>
-              <a:rPr lang="en-US" dirty="0" smtClean="0"/>
-              <a:t>Provide a flexible </a:t>
-            </a:r>
-            <a:r>
-              <a:rPr lang="en-US" dirty="0"/>
-              <a:t>mechanism for the </a:t>
-            </a:r>
-            <a:r>
-              <a:rPr lang="en-US" dirty="0" smtClean="0"/>
-              <a:t>specification </a:t>
-            </a:r>
-            <a:r>
-              <a:rPr lang="en-US" dirty="0"/>
-              <a:t>of ontology</a:t>
-            </a:r>
-            <a:r>
-              <a:rPr lang="en-US" dirty="0" smtClean="0"/>
-              <a:t>, class</a:t>
-            </a:r>
-            <a:r>
-              <a:rPr lang="en-US" dirty="0"/>
-              <a:t>, and slot editors</a:t>
-            </a:r>
-            <a:r>
-              <a:rPr lang="en-US"/>
-              <a:t>. </a:t>
-            </a:r>
-            <a:endParaRPr lang="en-US" smtClean="0"/>
-          </a:p>
-          <a:p>
-            <a:endParaRPr lang="en-US" dirty="0" smtClean="0"/>
-          </a:p>
-          <a:p>
-            <a:r>
-              <a:rPr lang="en-US" dirty="0" smtClean="0"/>
-              <a:t>Extend the set of class and slot facets supported by </a:t>
-            </a:r>
-            <a:r>
-              <a:rPr lang="en-US" dirty="0"/>
-              <a:t>adding new slots to the </a:t>
-            </a:r>
-            <a:r>
-              <a:rPr lang="en-US" dirty="0" err="1"/>
-              <a:t>metaclass</a:t>
-            </a:r>
-            <a:r>
-              <a:rPr lang="en-US" dirty="0"/>
-              <a:t> and </a:t>
-            </a:r>
-            <a:r>
-              <a:rPr lang="en-US" dirty="0" err="1"/>
-              <a:t>metaslot</a:t>
-            </a:r>
-            <a:r>
-              <a:rPr lang="en-US" dirty="0"/>
-              <a:t> </a:t>
-            </a:r>
-            <a:r>
-              <a:rPr lang="en-US" dirty="0" smtClean="0"/>
-              <a:t>definitions</a:t>
-            </a:r>
-          </a:p>
-          <a:p>
-            <a:endParaRPr lang="en-US" dirty="0" smtClean="0"/>
-          </a:p>
-          <a:p>
-            <a:r>
-              <a:rPr lang="en-US" dirty="0" smtClean="0"/>
-              <a:t>Support </a:t>
-            </a:r>
-            <a:r>
-              <a:rPr lang="en-US" dirty="0"/>
-              <a:t>c</a:t>
-            </a:r>
-            <a:r>
-              <a:rPr lang="en-US" dirty="0" smtClean="0"/>
-              <a:t>ustom tailor </a:t>
-            </a:r>
-            <a:r>
-              <a:rPr lang="en-US" dirty="0"/>
-              <a:t>form </a:t>
-            </a:r>
-            <a:r>
-              <a:rPr lang="en-US" dirty="0" smtClean="0"/>
-              <a:t>layout </a:t>
-            </a:r>
-            <a:r>
-              <a:rPr lang="en-US" sz="2000" dirty="0" smtClean="0"/>
-              <a:t>[Eriksson </a:t>
-            </a:r>
-            <a:r>
-              <a:rPr lang="en-US" sz="2000" dirty="0"/>
-              <a:t>et al., </a:t>
-            </a:r>
-            <a:r>
-              <a:rPr lang="en-US" sz="2000" dirty="0" smtClean="0"/>
-              <a:t>1994]</a:t>
-            </a:r>
-            <a:endParaRPr lang="en-US" sz="2000" dirty="0"/>
-          </a:p>
-        </p:txBody>
-      </p:sp>
+        </p:nvPicPr>
+        <p:blipFill>
+          <a:blip r:embed="rId3">
+            <a:extLst>
+              <a:ext uri="{28A0092B-C50C-407E-A947-70E740481C1C}">
+                <a14:useLocalDpi xmlns:a14="http://schemas.microsoft.com/office/drawing/2010/main" val="0"/>
+              </a:ext>
+            </a:extLst>
+          </a:blip>
+          <a:srcRect l="-16911" r="-16911"/>
+          <a:stretch>
+            <a:fillRect/>
+          </a:stretch>
+        </p:blipFill>
+        <p:spPr>
+          <a:xfrm>
+            <a:off x="-1193313" y="2056438"/>
+            <a:ext cx="8229600" cy="4625609"/>
+          </a:xfrm>
+        </p:spPr>
+      </p:pic>
     </p:spTree>
     <p:extLst>
       <p:ext uri="{BB962C8B-B14F-4D97-AF65-F5344CB8AC3E}">
-        <p14:creationId xmlns:p14="http://schemas.microsoft.com/office/powerpoint/2010/main" val="478112710"/>
+        <p14:creationId xmlns:p14="http://schemas.microsoft.com/office/powerpoint/2010/main" val="3383424643"/>
       </p:ext>
     </p:extLst>
   </p:cSld>
   <p:clrMapOvr>
     <a:masterClrMapping/>
   </p:clrMapOvr>
+  <p:timing>
+    <p:tnLst>
+      <p:par>
+        <p:cTn xmlns:p14="http://schemas.microsoft.com/office/powerpoint/2010/main" id="1" dur="indefinite" restart="never" nodeType="tmRoot">
+          <p:childTnLst>
+            <p:seq concurrent="1" nextAc="seek">
+              <p:cTn id="2" dur="indefinite" nodeType="mainSeq">
+                <p:childTnLst>
+                  <p:par>
+                    <p:cTn id="3" fill="hold">
+                      <p:stCondLst>
+                        <p:cond delay="indefinite"/>
+                      </p:stCondLst>
+                      <p:childTnLst>
+                        <p:par>
+                          <p:cTn id="4" fill="hold">
+                            <p:stCondLst>
+                              <p:cond delay="0"/>
+                            </p:stCondLst>
+                            <p:childTnLst>
+                              <p:par>
+                                <p:cTn id="5" presetID="5" presetClass="entr" presetSubtype="10" fill="hold" nodeType="clickEffect">
+                                  <p:stCondLst>
+                                    <p:cond delay="0"/>
+                                  </p:stCondLst>
+                                  <p:childTnLst>
+                                    <p:set>
+                                      <p:cBhvr>
+                                        <p:cTn id="6" dur="1" fill="hold">
+                                          <p:stCondLst>
+                                            <p:cond delay="0"/>
+                                          </p:stCondLst>
+                                        </p:cTn>
+                                        <p:tgtEl>
+                                          <p:spTgt spid="5"/>
+                                        </p:tgtEl>
+                                        <p:attrNameLst>
+                                          <p:attrName>style.visibility</p:attrName>
+                                        </p:attrNameLst>
+                                      </p:cBhvr>
+                                      <p:to>
+                                        <p:strVal val="visible"/>
+                                      </p:to>
+                                    </p:set>
+                                    <p:animEffect transition="in" filter="checkerboard(across)">
+                                      <p:cBhvr>
+                                        <p:cTn id="7" dur="500"/>
+                                        <p:tgtEl>
+                                          <p:spTgt spid="5"/>
+                                        </p:tgtEl>
+                                      </p:cBhvr>
+                                    </p:animEffect>
+                                  </p:childTnLst>
+                                </p:cTn>
+                              </p:par>
+                            </p:childTnLst>
+                          </p:cTn>
+                        </p:par>
+                      </p:childTnLst>
+                    </p:cTn>
+                  </p:par>
+                  <p:par>
+                    <p:cTn id="8" fill="hold">
+                      <p:stCondLst>
+                        <p:cond delay="indefinite"/>
+                      </p:stCondLst>
+                      <p:childTnLst>
+                        <p:par>
+                          <p:cTn id="9" fill="hold">
+                            <p:stCondLst>
+                              <p:cond delay="0"/>
+                            </p:stCondLst>
+                            <p:childTnLst>
+                              <p:par>
+                                <p:cTn id="10" presetID="5" presetClass="entr" presetSubtype="10" fill="hold" nodeType="clickEffect">
+                                  <p:stCondLst>
+                                    <p:cond delay="0"/>
+                                  </p:stCondLst>
+                                  <p:childTnLst>
+                                    <p:set>
+                                      <p:cBhvr>
+                                        <p:cTn id="11" dur="1" fill="hold">
+                                          <p:stCondLst>
+                                            <p:cond delay="0"/>
+                                          </p:stCondLst>
+                                        </p:cTn>
+                                        <p:tgtEl>
+                                          <p:spTgt spid="4"/>
+                                        </p:tgtEl>
+                                        <p:attrNameLst>
+                                          <p:attrName>style.visibility</p:attrName>
+                                        </p:attrNameLst>
+                                      </p:cBhvr>
+                                      <p:to>
+                                        <p:strVal val="visible"/>
+                                      </p:to>
+                                    </p:set>
+                                    <p:animEffect transition="in" filter="checkerboard(across)">
+                                      <p:cBhvr>
+                                        <p:cTn id="12" dur="500"/>
+                                        <p:tgtEl>
+                                          <p:spTgt spid="4"/>
+                                        </p:tgtEl>
+                                      </p:cBhvr>
+                                    </p:animEffect>
+                                  </p:childTnLst>
+                                </p:cTn>
+                              </p:par>
+                            </p:childTnLst>
+                          </p:cTn>
+                        </p:par>
+                      </p:childTnLst>
+                    </p:cTn>
+                  </p:par>
+                </p:childTnLst>
+              </p:cTn>
+              <p:prevCondLst>
+                <p:cond evt="onPrev" delay="0">
+                  <p:tgtEl>
+                    <p:sldTgt/>
+                  </p:tgtEl>
+                </p:cond>
+              </p:prevCondLst>
+              <p:nextCondLst>
+                <p:cond evt="onNext" delay="0">
+                  <p:tgtEl>
+                    <p:sldTgt/>
+                  </p:tgtEl>
+                </p:cond>
+              </p:nextCondLst>
+            </p:seq>
+          </p:childTnLst>
+        </p:cTn>
+      </p:par>
+    </p:tnLst>
+  </p:timing>
 </p:sld>
 </file>
 
@@ -6694,6 +6764,196 @@
   <p:clrMapOvr>
     <a:masterClrMapping/>
   </p:clrMapOvr>
+</p:sld>
+</file>
+
+<file path=ppt/slides/slide20.xml><?xml version="1.0" encoding="utf-8"?>
+<p:sld xmlns:a="http://schemas.openxmlformats.org/drawingml/2006/main" xmlns:r="http://schemas.openxmlformats.org/officeDocument/2006/relationships" xmlns:p="http://schemas.openxmlformats.org/presentationml/2006/main">
+  <p:cSld>
+    <p:spTree>
+      <p:nvGrpSpPr>
+        <p:cNvPr id="1" name=""/>
+        <p:cNvGrpSpPr/>
+        <p:nvPr/>
+      </p:nvGrpSpPr>
+      <p:grpSpPr>
+        <a:xfrm>
+          <a:off x="0" y="0"/>
+          <a:ext cx="0" cy="0"/>
+          <a:chOff x="0" y="0"/>
+          <a:chExt cx="0" cy="0"/>
+        </a:xfrm>
+      </p:grpSpPr>
+      <p:sp>
+        <p:nvSpPr>
+          <p:cNvPr id="2" name="Title 1"/>
+          <p:cNvSpPr>
+            <a:spLocks noGrp="1"/>
+          </p:cNvSpPr>
+          <p:nvPr>
+            <p:ph type="title"/>
+          </p:nvPr>
+        </p:nvSpPr>
+        <p:spPr/>
+        <p:txBody>
+          <a:bodyPr>
+            <a:normAutofit fontScale="90000"/>
+          </a:bodyPr>
+          <a:lstStyle/>
+          <a:p>
+            <a:r>
+              <a:rPr lang="en-US" dirty="0" smtClean="0"/>
+              <a:t>Summary of </a:t>
+            </a:r>
+            <a:r>
+              <a:rPr lang="en-US" sz="4800" dirty="0" smtClean="0"/>
+              <a:t>PROT</a:t>
+            </a:r>
+            <a:r>
+              <a:rPr lang="fr-FR" sz="4800" dirty="0" smtClean="0"/>
+              <a:t>ÉGÉ </a:t>
+            </a:r>
+            <a:r>
+              <a:rPr lang="fr-FR" sz="4800" dirty="0" err="1" smtClean="0"/>
+              <a:t>approach</a:t>
+            </a:r>
+            <a:endParaRPr lang="en-US" dirty="0"/>
+          </a:p>
+        </p:txBody>
+      </p:sp>
+      <p:sp>
+        <p:nvSpPr>
+          <p:cNvPr id="3" name="Content Placeholder 2"/>
+          <p:cNvSpPr>
+            <a:spLocks noGrp="1"/>
+          </p:cNvSpPr>
+          <p:nvPr>
+            <p:ph idx="1"/>
+          </p:nvPr>
+        </p:nvSpPr>
+        <p:spPr/>
+        <p:txBody>
+          <a:bodyPr>
+            <a:normAutofit lnSpcReduction="10000"/>
+          </a:bodyPr>
+          <a:lstStyle/>
+          <a:p>
+            <a:r>
+              <a:rPr lang="en-US" dirty="0" smtClean="0"/>
+              <a:t>Provide a flexible </a:t>
+            </a:r>
+            <a:r>
+              <a:rPr lang="en-US" dirty="0"/>
+              <a:t>mechanism for the </a:t>
+            </a:r>
+            <a:r>
+              <a:rPr lang="en-US" dirty="0" smtClean="0"/>
+              <a:t>specification </a:t>
+            </a:r>
+            <a:r>
+              <a:rPr lang="en-US" dirty="0"/>
+              <a:t>of ontology</a:t>
+            </a:r>
+            <a:r>
+              <a:rPr lang="en-US" dirty="0" smtClean="0"/>
+              <a:t>, class</a:t>
+            </a:r>
+            <a:r>
+              <a:rPr lang="en-US" dirty="0"/>
+              <a:t>, and slot editors. </a:t>
+            </a:r>
+            <a:endParaRPr lang="en-US" dirty="0" smtClean="0"/>
+          </a:p>
+          <a:p>
+            <a:endParaRPr lang="en-US" dirty="0" smtClean="0"/>
+          </a:p>
+          <a:p>
+            <a:r>
+              <a:rPr lang="en-US" dirty="0" smtClean="0"/>
+              <a:t>Extend the set of class and slot facets supported by </a:t>
+            </a:r>
+            <a:r>
+              <a:rPr lang="en-US" dirty="0"/>
+              <a:t>adding new slots to the </a:t>
+            </a:r>
+            <a:r>
+              <a:rPr lang="en-US" dirty="0" err="1"/>
+              <a:t>metaclass</a:t>
+            </a:r>
+            <a:r>
+              <a:rPr lang="en-US" dirty="0"/>
+              <a:t> and </a:t>
+            </a:r>
+            <a:r>
+              <a:rPr lang="en-US" dirty="0" err="1"/>
+              <a:t>metaslot</a:t>
+            </a:r>
+            <a:r>
+              <a:rPr lang="en-US" dirty="0"/>
+              <a:t> </a:t>
+            </a:r>
+            <a:r>
+              <a:rPr lang="en-US" dirty="0" smtClean="0"/>
+              <a:t>definitions</a:t>
+            </a:r>
+          </a:p>
+          <a:p>
+            <a:endParaRPr lang="en-US" dirty="0" smtClean="0"/>
+          </a:p>
+          <a:p>
+            <a:r>
+              <a:rPr lang="en-US" dirty="0" smtClean="0"/>
+              <a:t>Support </a:t>
+            </a:r>
+            <a:r>
+              <a:rPr lang="en-US" dirty="0"/>
+              <a:t>c</a:t>
+            </a:r>
+            <a:r>
+              <a:rPr lang="en-US" dirty="0" smtClean="0"/>
+              <a:t>ustom tailor </a:t>
+            </a:r>
+            <a:r>
+              <a:rPr lang="en-US" dirty="0"/>
+              <a:t>form </a:t>
+            </a:r>
+            <a:r>
+              <a:rPr lang="en-US" dirty="0" smtClean="0"/>
+              <a:t>layout </a:t>
+            </a:r>
+            <a:r>
+              <a:rPr lang="en-US" sz="2000" dirty="0" smtClean="0"/>
+              <a:t>[Eriksson </a:t>
+            </a:r>
+            <a:r>
+              <a:rPr lang="en-US" sz="2000" dirty="0"/>
+              <a:t>et al., </a:t>
+            </a:r>
+            <a:r>
+              <a:rPr lang="en-US" sz="2000" dirty="0" smtClean="0"/>
+              <a:t>1994]</a:t>
+            </a:r>
+            <a:endParaRPr lang="en-US" sz="2000" dirty="0"/>
+          </a:p>
+        </p:txBody>
+      </p:sp>
+    </p:spTree>
+    <p:extLst>
+      <p:ext uri="{BB962C8B-B14F-4D97-AF65-F5344CB8AC3E}">
+        <p14:creationId xmlns:p14="http://schemas.microsoft.com/office/powerpoint/2010/main" val="478112710"/>
+      </p:ext>
+    </p:extLst>
+  </p:cSld>
+  <p:clrMapOvr>
+    <a:masterClrMapping/>
+  </p:clrMapOvr>
+  <p:timing>
+    <p:tnLst>
+      <p:par>
+        <p:cTn xmlns:p14="http://schemas.microsoft.com/office/powerpoint/2010/main" id="1" dur="indefinite" restart="never" nodeType="tmRoot"/>
+      </p:par>
+    </p:tnLst>
+  </p:timing>
 </p:sld>
 </file>
 
